--- a/figures/Chapter 1 - Introduction and Review/1.2 Tick Tock, Tick Tock.pptx
+++ b/figures/Chapter 1 - Introduction and Review/1.2 Tick Tock, Tick Tock.pptx
@@ -115,7 +115,7 @@
 </file>
 
 <file path=ppt/charts/chart1.xml><?xml version="1.0" encoding="utf-8"?>
-<c:chartSpace xmlns:c="http://schemas.openxmlformats.org/drawingml/2006/chart" xmlns:a="http://schemas.openxmlformats.org/drawingml/2006/main" xmlns:r="http://schemas.openxmlformats.org/officeDocument/2006/relationships">
+<c:chartSpace xmlns:c="http://schemas.openxmlformats.org/drawingml/2006/chart" xmlns:a="http://schemas.openxmlformats.org/drawingml/2006/main" xmlns:r="http://schemas.openxmlformats.org/officeDocument/2006/relationships" xmlns:c16r2="http://schemas.microsoft.com/office/drawing/2015/06/chart">
   <c:date1904 val="0"/>
   <c:lang val="en-US"/>
   <c:roundedCorners val="0"/>
@@ -148,19 +148,19 @@
               </a:defRPr>
             </a:pPr>
             <a:r>
-              <a:rPr lang="en-US" sz="2400" dirty="0" smtClean="0"/>
+              <a:rPr lang="en-US" sz="2400" dirty="0"/>
               <a:t>Time Complexity T(</a:t>
             </a:r>
             <a:r>
-              <a:rPr lang="en-US" sz="2400" i="1" dirty="0" smtClean="0"/>
+              <a:rPr lang="en-US" sz="2400" i="1" dirty="0"/>
               <a:t>n</a:t>
             </a:r>
             <a:r>
-              <a:rPr lang="en-US" sz="2400" i="0" dirty="0" smtClean="0"/>
+              <a:rPr lang="en-US" sz="2400" i="0" dirty="0"/>
               <a:t>) vs. </a:t>
             </a:r>
             <a:r>
-              <a:rPr lang="en-US" sz="2400" i="1" dirty="0" smtClean="0"/>
+              <a:rPr lang="en-US" sz="2400" i="1" dirty="0"/>
               <a:t>n</a:t>
             </a:r>
             <a:endParaRPr lang="en-US" sz="2400" dirty="0"/>
@@ -171,8 +171,8 @@
         <c:manualLayout>
           <c:xMode val="edge"/>
           <c:yMode val="edge"/>
-          <c:x val="0.295121062992126"/>
-          <c:y val="0.0093749994232899"/>
+          <c:x val="0.29512106299212598"/>
+          <c:y val="9.3749994232898998E-3"/>
         </c:manualLayout>
       </c:layout>
       <c:overlay val="0"/>
@@ -243,25 +243,25 @@
                 <c:formatCode>General</c:formatCode>
                 <c:ptCount val="11"/>
                 <c:pt idx="0">
-                  <c:v>0.0</c:v>
+                  <c:v>0</c:v>
                 </c:pt>
                 <c:pt idx="1">
-                  <c:v>5.0</c:v>
+                  <c:v>5</c:v>
                 </c:pt>
                 <c:pt idx="2">
-                  <c:v>10.0</c:v>
+                  <c:v>10</c:v>
                 </c:pt>
                 <c:pt idx="3">
-                  <c:v>15.0</c:v>
+                  <c:v>15</c:v>
                 </c:pt>
                 <c:pt idx="4">
-                  <c:v>20.0</c:v>
+                  <c:v>20</c:v>
                 </c:pt>
                 <c:pt idx="5">
-                  <c:v>25.0</c:v>
+                  <c:v>25</c:v>
                 </c:pt>
                 <c:pt idx="6">
-                  <c:v>30.0</c:v>
+                  <c:v>30</c:v>
                 </c:pt>
               </c:numCache>
             </c:numRef>
@@ -273,30 +273,35 @@
                 <c:formatCode>General</c:formatCode>
                 <c:ptCount val="11"/>
                 <c:pt idx="0">
-                  <c:v>200.0</c:v>
+                  <c:v>200</c:v>
                 </c:pt>
                 <c:pt idx="1">
-                  <c:v>200.0</c:v>
+                  <c:v>200</c:v>
                 </c:pt>
                 <c:pt idx="2">
-                  <c:v>200.0</c:v>
+                  <c:v>200</c:v>
                 </c:pt>
                 <c:pt idx="3">
-                  <c:v>200.0</c:v>
+                  <c:v>200</c:v>
                 </c:pt>
                 <c:pt idx="4">
-                  <c:v>200.0</c:v>
+                  <c:v>200</c:v>
                 </c:pt>
                 <c:pt idx="5">
-                  <c:v>200.0</c:v>
+                  <c:v>200</c:v>
                 </c:pt>
                 <c:pt idx="6">
-                  <c:v>200.0</c:v>
+                  <c:v>200</c:v>
                 </c:pt>
               </c:numCache>
             </c:numRef>
           </c:yVal>
           <c:smooth val="1"/>
+          <c:extLst>
+            <c:ext xmlns:c16="http://schemas.microsoft.com/office/drawing/2014/chart" uri="{C3380CC4-5D6E-409C-BE32-E72D297353CC}">
+              <c16:uniqueId val="{00000000-445C-9F41-A595-58E6BDFEBC78}"/>
+            </c:ext>
+          </c:extLst>
         </c:ser>
         <c:ser>
           <c:idx val="1"/>
@@ -331,25 +336,25 @@
                 <c:formatCode>General</c:formatCode>
                 <c:ptCount val="11"/>
                 <c:pt idx="0">
-                  <c:v>0.0</c:v>
+                  <c:v>0</c:v>
                 </c:pt>
                 <c:pt idx="1">
-                  <c:v>5.0</c:v>
+                  <c:v>5</c:v>
                 </c:pt>
                 <c:pt idx="2">
-                  <c:v>10.0</c:v>
+                  <c:v>10</c:v>
                 </c:pt>
                 <c:pt idx="3">
-                  <c:v>15.0</c:v>
+                  <c:v>15</c:v>
                 </c:pt>
                 <c:pt idx="4">
-                  <c:v>20.0</c:v>
+                  <c:v>20</c:v>
                 </c:pt>
                 <c:pt idx="5">
-                  <c:v>25.0</c:v>
+                  <c:v>25</c:v>
                 </c:pt>
                 <c:pt idx="6">
-                  <c:v>30.0</c:v>
+                  <c:v>30</c:v>
                 </c:pt>
               </c:numCache>
             </c:numRef>
@@ -361,30 +366,35 @@
                 <c:formatCode>General</c:formatCode>
                 <c:ptCount val="11"/>
                 <c:pt idx="0">
-                  <c:v>1.0</c:v>
+                  <c:v>1</c:v>
                 </c:pt>
                 <c:pt idx="1">
-                  <c:v>279.5880017344076</c:v>
+                  <c:v>279.58800173440761</c:v>
                 </c:pt>
                 <c:pt idx="2">
-                  <c:v>400.0</c:v>
+                  <c:v>400</c:v>
                 </c:pt>
                 <c:pt idx="3">
-                  <c:v>470.4365036222721</c:v>
+                  <c:v>470.43650362227208</c:v>
                 </c:pt>
                 <c:pt idx="4">
                   <c:v>520.4119982655925</c:v>
                 </c:pt>
                 <c:pt idx="5">
-                  <c:v>559.1760034688154</c:v>
+                  <c:v>559.17600346881545</c:v>
                 </c:pt>
                 <c:pt idx="6">
-                  <c:v>590.8485018878646</c:v>
+                  <c:v>590.84850188786459</c:v>
                 </c:pt>
               </c:numCache>
             </c:numRef>
           </c:yVal>
           <c:smooth val="1"/>
+          <c:extLst>
+            <c:ext xmlns:c16="http://schemas.microsoft.com/office/drawing/2014/chart" uri="{C3380CC4-5D6E-409C-BE32-E72D297353CC}">
+              <c16:uniqueId val="{00000001-445C-9F41-A595-58E6BDFEBC78}"/>
+            </c:ext>
+          </c:extLst>
         </c:ser>
         <c:ser>
           <c:idx val="2"/>
@@ -419,25 +429,25 @@
                 <c:formatCode>General</c:formatCode>
                 <c:ptCount val="11"/>
                 <c:pt idx="0">
-                  <c:v>0.0</c:v>
+                  <c:v>0</c:v>
                 </c:pt>
                 <c:pt idx="1">
-                  <c:v>5.0</c:v>
+                  <c:v>5</c:v>
                 </c:pt>
                 <c:pt idx="2">
-                  <c:v>10.0</c:v>
+                  <c:v>10</c:v>
                 </c:pt>
                 <c:pt idx="3">
-                  <c:v>15.0</c:v>
+                  <c:v>15</c:v>
                 </c:pt>
                 <c:pt idx="4">
-                  <c:v>20.0</c:v>
+                  <c:v>20</c:v>
                 </c:pt>
                 <c:pt idx="5">
-                  <c:v>25.0</c:v>
+                  <c:v>25</c:v>
                 </c:pt>
                 <c:pt idx="6">
-                  <c:v>30.0</c:v>
+                  <c:v>30</c:v>
                 </c:pt>
               </c:numCache>
             </c:numRef>
@@ -449,30 +459,35 @@
                 <c:formatCode>General</c:formatCode>
                 <c:ptCount val="11"/>
                 <c:pt idx="0">
-                  <c:v>0.0</c:v>
+                  <c:v>0</c:v>
                 </c:pt>
                 <c:pt idx="1">
-                  <c:v>894.4271909999154</c:v>
+                  <c:v>894.42719099991541</c:v>
                 </c:pt>
                 <c:pt idx="2">
-                  <c:v>1264.911064067352</c:v>
+                  <c:v>1264.9110640673521</c:v>
                 </c:pt>
                 <c:pt idx="3">
-                  <c:v>1549.193338482966</c:v>
+                  <c:v>1549.1933384829661</c:v>
                 </c:pt>
                 <c:pt idx="4">
                   <c:v>1788.854381999831</c:v>
                 </c:pt>
                 <c:pt idx="5">
-                  <c:v>2000.0</c:v>
+                  <c:v>2000</c:v>
                 </c:pt>
                 <c:pt idx="6">
-                  <c:v>2190.890230020665</c:v>
+                  <c:v>2190.8902300206651</c:v>
                 </c:pt>
               </c:numCache>
             </c:numRef>
           </c:yVal>
           <c:smooth val="1"/>
+          <c:extLst>
+            <c:ext xmlns:c16="http://schemas.microsoft.com/office/drawing/2014/chart" uri="{C3380CC4-5D6E-409C-BE32-E72D297353CC}">
+              <c16:uniqueId val="{00000002-445C-9F41-A595-58E6BDFEBC78}"/>
+            </c:ext>
+          </c:extLst>
         </c:ser>
         <c:ser>
           <c:idx val="3"/>
@@ -507,25 +522,25 @@
                 <c:formatCode>General</c:formatCode>
                 <c:ptCount val="11"/>
                 <c:pt idx="0">
-                  <c:v>0.0</c:v>
+                  <c:v>0</c:v>
                 </c:pt>
                 <c:pt idx="1">
-                  <c:v>5.0</c:v>
+                  <c:v>5</c:v>
                 </c:pt>
                 <c:pt idx="2">
-                  <c:v>10.0</c:v>
+                  <c:v>10</c:v>
                 </c:pt>
                 <c:pt idx="3">
-                  <c:v>15.0</c:v>
+                  <c:v>15</c:v>
                 </c:pt>
                 <c:pt idx="4">
-                  <c:v>20.0</c:v>
+                  <c:v>20</c:v>
                 </c:pt>
                 <c:pt idx="5">
-                  <c:v>25.0</c:v>
+                  <c:v>25</c:v>
                 </c:pt>
                 <c:pt idx="6">
-                  <c:v>30.0</c:v>
+                  <c:v>30</c:v>
                 </c:pt>
               </c:numCache>
             </c:numRef>
@@ -537,30 +552,35 @@
                 <c:formatCode>General</c:formatCode>
                 <c:ptCount val="11"/>
                 <c:pt idx="0">
-                  <c:v>0.0</c:v>
+                  <c:v>0</c:v>
                 </c:pt>
                 <c:pt idx="1">
-                  <c:v>500.0</c:v>
+                  <c:v>500</c:v>
                 </c:pt>
                 <c:pt idx="2">
-                  <c:v>1000.0</c:v>
+                  <c:v>1000</c:v>
                 </c:pt>
                 <c:pt idx="3">
-                  <c:v>1500.0</c:v>
+                  <c:v>1500</c:v>
                 </c:pt>
                 <c:pt idx="4">
-                  <c:v>2000.0</c:v>
+                  <c:v>2000</c:v>
                 </c:pt>
                 <c:pt idx="5">
-                  <c:v>2500.0</c:v>
+                  <c:v>2500</c:v>
                 </c:pt>
                 <c:pt idx="6">
-                  <c:v>3000.0</c:v>
+                  <c:v>3000</c:v>
                 </c:pt>
               </c:numCache>
             </c:numRef>
           </c:yVal>
           <c:smooth val="1"/>
+          <c:extLst>
+            <c:ext xmlns:c16="http://schemas.microsoft.com/office/drawing/2014/chart" uri="{C3380CC4-5D6E-409C-BE32-E72D297353CC}">
+              <c16:uniqueId val="{00000003-445C-9F41-A595-58E6BDFEBC78}"/>
+            </c:ext>
+          </c:extLst>
         </c:ser>
         <c:ser>
           <c:idx val="4"/>
@@ -595,25 +615,25 @@
                 <c:formatCode>General</c:formatCode>
                 <c:ptCount val="11"/>
                 <c:pt idx="0">
-                  <c:v>0.0</c:v>
+                  <c:v>0</c:v>
                 </c:pt>
                 <c:pt idx="1">
-                  <c:v>5.0</c:v>
+                  <c:v>5</c:v>
                 </c:pt>
                 <c:pt idx="2">
-                  <c:v>10.0</c:v>
+                  <c:v>10</c:v>
                 </c:pt>
                 <c:pt idx="3">
-                  <c:v>15.0</c:v>
+                  <c:v>15</c:v>
                 </c:pt>
                 <c:pt idx="4">
-                  <c:v>20.0</c:v>
+                  <c:v>20</c:v>
                 </c:pt>
                 <c:pt idx="5">
-                  <c:v>25.0</c:v>
+                  <c:v>25</c:v>
                 </c:pt>
                 <c:pt idx="6">
-                  <c:v>30.0</c:v>
+                  <c:v>30</c:v>
                 </c:pt>
               </c:numCache>
             </c:numRef>
@@ -625,30 +645,35 @@
                 <c:formatCode>General</c:formatCode>
                 <c:ptCount val="11"/>
                 <c:pt idx="0">
-                  <c:v>0.0</c:v>
+                  <c:v>0</c:v>
                 </c:pt>
                 <c:pt idx="1">
-                  <c:v>125.0</c:v>
+                  <c:v>125</c:v>
                 </c:pt>
                 <c:pt idx="2">
-                  <c:v>500.0</c:v>
+                  <c:v>500</c:v>
                 </c:pt>
                 <c:pt idx="3">
-                  <c:v>1125.0</c:v>
+                  <c:v>1125</c:v>
                 </c:pt>
                 <c:pt idx="4">
-                  <c:v>2000.0</c:v>
+                  <c:v>2000</c:v>
                 </c:pt>
                 <c:pt idx="5">
-                  <c:v>3125.0</c:v>
+                  <c:v>3125</c:v>
                 </c:pt>
                 <c:pt idx="6">
-                  <c:v>4500.0</c:v>
+                  <c:v>4500</c:v>
                 </c:pt>
               </c:numCache>
             </c:numRef>
           </c:yVal>
           <c:smooth val="1"/>
+          <c:extLst>
+            <c:ext xmlns:c16="http://schemas.microsoft.com/office/drawing/2014/chart" uri="{C3380CC4-5D6E-409C-BE32-E72D297353CC}">
+              <c16:uniqueId val="{00000004-445C-9F41-A595-58E6BDFEBC78}"/>
+            </c:ext>
+          </c:extLst>
         </c:ser>
         <c:ser>
           <c:idx val="5"/>
@@ -683,25 +708,25 @@
                 <c:formatCode>General</c:formatCode>
                 <c:ptCount val="11"/>
                 <c:pt idx="0">
-                  <c:v>0.0</c:v>
+                  <c:v>0</c:v>
                 </c:pt>
                 <c:pt idx="1">
-                  <c:v>5.0</c:v>
+                  <c:v>5</c:v>
                 </c:pt>
                 <c:pt idx="2">
-                  <c:v>10.0</c:v>
+                  <c:v>10</c:v>
                 </c:pt>
                 <c:pt idx="3">
-                  <c:v>15.0</c:v>
+                  <c:v>15</c:v>
                 </c:pt>
                 <c:pt idx="4">
-                  <c:v>20.0</c:v>
+                  <c:v>20</c:v>
                 </c:pt>
                 <c:pt idx="5">
-                  <c:v>25.0</c:v>
+                  <c:v>25</c:v>
                 </c:pt>
                 <c:pt idx="6">
-                  <c:v>30.0</c:v>
+                  <c:v>30</c:v>
                 </c:pt>
               </c:numCache>
             </c:numRef>
@@ -713,30 +738,35 @@
                 <c:formatCode>General</c:formatCode>
                 <c:ptCount val="11"/>
                 <c:pt idx="0">
-                  <c:v>0.0</c:v>
+                  <c:v>0</c:v>
                 </c:pt>
                 <c:pt idx="1">
                   <c:v>62.5</c:v>
                 </c:pt>
                 <c:pt idx="2">
-                  <c:v>500.0</c:v>
+                  <c:v>500</c:v>
                 </c:pt>
                 <c:pt idx="3">
                   <c:v>1687.5</c:v>
                 </c:pt>
                 <c:pt idx="4">
-                  <c:v>4000.0</c:v>
+                  <c:v>4000</c:v>
                 </c:pt>
                 <c:pt idx="5">
                   <c:v>7812.5</c:v>
                 </c:pt>
                 <c:pt idx="6">
-                  <c:v>13500.0</c:v>
+                  <c:v>13500</c:v>
                 </c:pt>
               </c:numCache>
             </c:numRef>
           </c:yVal>
           <c:smooth val="1"/>
+          <c:extLst>
+            <c:ext xmlns:c16="http://schemas.microsoft.com/office/drawing/2014/chart" uri="{C3380CC4-5D6E-409C-BE32-E72D297353CC}">
+              <c16:uniqueId val="{00000005-445C-9F41-A595-58E6BDFEBC78}"/>
+            </c:ext>
+          </c:extLst>
         </c:ser>
         <c:ser>
           <c:idx val="6"/>
@@ -773,25 +803,25 @@
                 <c:formatCode>General</c:formatCode>
                 <c:ptCount val="11"/>
                 <c:pt idx="0">
-                  <c:v>0.0</c:v>
+                  <c:v>0</c:v>
                 </c:pt>
                 <c:pt idx="1">
-                  <c:v>5.0</c:v>
+                  <c:v>5</c:v>
                 </c:pt>
                 <c:pt idx="2">
-                  <c:v>10.0</c:v>
+                  <c:v>10</c:v>
                 </c:pt>
                 <c:pt idx="3">
-                  <c:v>15.0</c:v>
+                  <c:v>15</c:v>
                 </c:pt>
                 <c:pt idx="4">
-                  <c:v>20.0</c:v>
+                  <c:v>20</c:v>
                 </c:pt>
                 <c:pt idx="5">
-                  <c:v>25.0</c:v>
+                  <c:v>25</c:v>
                 </c:pt>
                 <c:pt idx="6">
-                  <c:v>30.0</c:v>
+                  <c:v>30</c:v>
                 </c:pt>
               </c:numCache>
             </c:numRef>
@@ -803,30 +833,35 @@
                 <c:formatCode>General</c:formatCode>
                 <c:ptCount val="11"/>
                 <c:pt idx="0">
-                  <c:v>1.0</c:v>
+                  <c:v>1</c:v>
                 </c:pt>
                 <c:pt idx="1">
-                  <c:v>32.0</c:v>
+                  <c:v>32</c:v>
                 </c:pt>
                 <c:pt idx="2">
-                  <c:v>1024.0</c:v>
+                  <c:v>1024</c:v>
                 </c:pt>
                 <c:pt idx="3">
-                  <c:v>32768.0</c:v>
+                  <c:v>32768</c:v>
                 </c:pt>
                 <c:pt idx="4">
-                  <c:v>1.048576E6</c:v>
+                  <c:v>1048576</c:v>
                 </c:pt>
                 <c:pt idx="5">
-                  <c:v>3.3554432E7</c:v>
+                  <c:v>33554432</c:v>
                 </c:pt>
                 <c:pt idx="6">
-                  <c:v>1.073741824E9</c:v>
+                  <c:v>1073741824</c:v>
                 </c:pt>
               </c:numCache>
             </c:numRef>
           </c:yVal>
           <c:smooth val="1"/>
+          <c:extLst>
+            <c:ext xmlns:c16="http://schemas.microsoft.com/office/drawing/2014/chart" uri="{C3380CC4-5D6E-409C-BE32-E72D297353CC}">
+              <c16:uniqueId val="{00000006-445C-9F41-A595-58E6BDFEBC78}"/>
+            </c:ext>
+          </c:extLst>
         </c:ser>
         <c:ser>
           <c:idx val="7"/>
@@ -863,25 +898,25 @@
                 <c:formatCode>General</c:formatCode>
                 <c:ptCount val="11"/>
                 <c:pt idx="0">
-                  <c:v>0.0</c:v>
+                  <c:v>0</c:v>
                 </c:pt>
                 <c:pt idx="1">
-                  <c:v>5.0</c:v>
+                  <c:v>5</c:v>
                 </c:pt>
                 <c:pt idx="2">
-                  <c:v>10.0</c:v>
+                  <c:v>10</c:v>
                 </c:pt>
                 <c:pt idx="3">
-                  <c:v>15.0</c:v>
+                  <c:v>15</c:v>
                 </c:pt>
                 <c:pt idx="4">
-                  <c:v>20.0</c:v>
+                  <c:v>20</c:v>
                 </c:pt>
                 <c:pt idx="5">
-                  <c:v>25.0</c:v>
+                  <c:v>25</c:v>
                 </c:pt>
                 <c:pt idx="6">
-                  <c:v>30.0</c:v>
+                  <c:v>30</c:v>
                 </c:pt>
               </c:numCache>
             </c:numRef>
@@ -893,42 +928,47 @@
                 <c:formatCode>General</c:formatCode>
                 <c:ptCount val="11"/>
                 <c:pt idx="0">
-                  <c:v>1.0</c:v>
+                  <c:v>1</c:v>
                 </c:pt>
                 <c:pt idx="1">
-                  <c:v>120.0</c:v>
+                  <c:v>120</c:v>
                 </c:pt>
                 <c:pt idx="2">
-                  <c:v>3.6288E6</c:v>
+                  <c:v>3628800</c:v>
                 </c:pt>
                 <c:pt idx="3">
-                  <c:v>1.307674368E12</c:v>
+                  <c:v>1307674368000</c:v>
                 </c:pt>
                 <c:pt idx="4">
-                  <c:v>2.43290200817664E18</c:v>
+                  <c:v>2.43290200817664E+18</c:v>
                 </c:pt>
                 <c:pt idx="5">
-                  <c:v>1.5511210043331E25</c:v>
+                  <c:v>1.5511210043330999E+25</c:v>
                 </c:pt>
                 <c:pt idx="6">
-                  <c:v>2.65252859812191E32</c:v>
+                  <c:v>2.65252859812191E+32</c:v>
                 </c:pt>
                 <c:pt idx="7">
-                  <c:v>1.0</c:v>
+                  <c:v>1</c:v>
                 </c:pt>
                 <c:pt idx="8">
-                  <c:v>1.0</c:v>
+                  <c:v>1</c:v>
                 </c:pt>
                 <c:pt idx="9">
-                  <c:v>1.0</c:v>
+                  <c:v>1</c:v>
                 </c:pt>
                 <c:pt idx="10">
-                  <c:v>1.0</c:v>
+                  <c:v>1</c:v>
                 </c:pt>
               </c:numCache>
             </c:numRef>
           </c:yVal>
           <c:smooth val="1"/>
+          <c:extLst>
+            <c:ext xmlns:c16="http://schemas.microsoft.com/office/drawing/2014/chart" uri="{C3380CC4-5D6E-409C-BE32-E72D297353CC}">
+              <c16:uniqueId val="{00000007-445C-9F41-A595-58E6BDFEBC78}"/>
+            </c:ext>
+          </c:extLst>
         </c:ser>
         <c:dLbls>
           <c:showLegendKey val="0"/>
@@ -945,9 +985,9 @@
         <c:axId val="2141839792"/>
         <c:scaling>
           <c:orientation val="minMax"/>
-          <c:max val="30.0"/>
+          <c:max val="30"/>
         </c:scaling>
-        <c:delete val="1"/>
+        <c:delete val="0"/>
         <c:axPos val="b"/>
         <c:title>
           <c:tx>
@@ -969,7 +1009,7 @@
                   </a:defRPr>
                 </a:pPr>
                 <a:r>
-                  <a:rPr lang="en-US" sz="2400" i="1" dirty="0" smtClean="0"/>
+                  <a:rPr lang="en-US" sz="2400" i="1" dirty="0"/>
                   <a:t>n</a:t>
                 </a:r>
                 <a:endParaRPr lang="en-US" i="1" dirty="0"/>
@@ -1008,7 +1048,37 @@
         <c:numFmt formatCode="General" sourceLinked="1"/>
         <c:majorTickMark val="none"/>
         <c:minorTickMark val="none"/>
-        <c:tickLblPos val="nextTo"/>
+        <c:tickLblPos val="none"/>
+        <c:spPr>
+          <a:noFill/>
+          <a:ln w="25400" cap="flat" cmpd="sng" algn="ctr">
+            <a:solidFill>
+              <a:schemeClr val="tx1"/>
+            </a:solidFill>
+            <a:round/>
+          </a:ln>
+          <a:effectLst/>
+        </c:spPr>
+        <c:txPr>
+          <a:bodyPr rot="-60000000" spcFirstLastPara="1" vertOverflow="ellipsis" vert="horz" wrap="square" anchor="ctr" anchorCtr="1"/>
+          <a:lstStyle/>
+          <a:p>
+            <a:pPr>
+              <a:defRPr sz="1197" b="0" i="0" u="none" strike="noStrike" kern="1200" baseline="0">
+                <a:solidFill>
+                  <a:schemeClr val="tx1">
+                    <a:lumMod val="65000"/>
+                    <a:lumOff val="35000"/>
+                  </a:schemeClr>
+                </a:solidFill>
+                <a:latin typeface="+mn-lt"/>
+                <a:ea typeface="+mn-ea"/>
+                <a:cs typeface="+mn-cs"/>
+              </a:defRPr>
+            </a:pPr>
+            <a:endParaRPr lang="en-US"/>
+          </a:p>
+        </c:txPr>
         <c:crossAx val="2141845648"/>
         <c:crosses val="autoZero"/>
         <c:crossBetween val="midCat"/>
@@ -1017,10 +1087,10 @@
         <c:axId val="2141845648"/>
         <c:scaling>
           <c:orientation val="minMax"/>
-          <c:max val="3000.0"/>
-          <c:min val="0.0"/>
+          <c:max val="3000"/>
+          <c:min val="0"/>
         </c:scaling>
-        <c:delete val="1"/>
+        <c:delete val="0"/>
         <c:axPos val="l"/>
         <c:title>
           <c:tx>
@@ -1042,18 +1112,17 @@
                   </a:defRPr>
                 </a:pPr>
                 <a:r>
-                  <a:rPr lang="en-US" sz="2400" dirty="0" smtClean="0"/>
+                  <a:rPr lang="en-US" sz="2400" dirty="0"/>
                   <a:t>T(</a:t>
                 </a:r>
                 <a:r>
-                  <a:rPr lang="en-US" sz="2400" i="1" dirty="0" smtClean="0"/>
+                  <a:rPr lang="en-US" sz="2400" i="1" dirty="0"/>
                   <a:t>n</a:t>
                 </a:r>
                 <a:r>
-                  <a:rPr lang="en-US" sz="2400" dirty="0" smtClean="0"/>
+                  <a:rPr lang="en-US" sz="2400" dirty="0"/>
                   <a:t>)</a:t>
                 </a:r>
-                <a:endParaRPr lang="en-US" sz="2400" dirty="0"/>
               </a:p>
             </c:rich>
           </c:tx>
@@ -1089,7 +1158,37 @@
         <c:numFmt formatCode="General" sourceLinked="1"/>
         <c:majorTickMark val="none"/>
         <c:minorTickMark val="none"/>
-        <c:tickLblPos val="nextTo"/>
+        <c:tickLblPos val="none"/>
+        <c:spPr>
+          <a:noFill/>
+          <a:ln w="25400" cap="flat" cmpd="sng" algn="ctr">
+            <a:solidFill>
+              <a:schemeClr val="tx1"/>
+            </a:solidFill>
+            <a:round/>
+          </a:ln>
+          <a:effectLst/>
+        </c:spPr>
+        <c:txPr>
+          <a:bodyPr rot="-60000000" spcFirstLastPara="1" vertOverflow="ellipsis" vert="horz" wrap="square" anchor="ctr" anchorCtr="1"/>
+          <a:lstStyle/>
+          <a:p>
+            <a:pPr>
+              <a:defRPr sz="1197" b="0" i="0" u="none" strike="noStrike" kern="1200" baseline="0">
+                <a:solidFill>
+                  <a:schemeClr val="tx1">
+                    <a:lumMod val="65000"/>
+                    <a:lumOff val="35000"/>
+                  </a:schemeClr>
+                </a:solidFill>
+                <a:latin typeface="+mn-lt"/>
+                <a:ea typeface="+mn-ea"/>
+                <a:cs typeface="+mn-cs"/>
+              </a:defRPr>
+            </a:pPr>
+            <a:endParaRPr lang="en-US"/>
+          </a:p>
+        </c:txPr>
         <c:crossAx val="2141839792"/>
         <c:crosses val="autoZero"/>
         <c:crossBetween val="midCat"/>
@@ -1717,10 +1816,9 @@
         <a:p xmlns:a="http://schemas.openxmlformats.org/drawingml/2006/main">
           <a:pPr algn="r"/>
           <a:r>
-            <a:rPr lang="en-US" sz="1800" dirty="0" smtClean="0"/>
+            <a:rPr lang="en-US" sz="1800" dirty="0"/>
             <a:t>O(1)</a:t>
           </a:r>
-          <a:endParaRPr lang="en-US" sz="1800" dirty="0"/>
         </a:p>
       </cdr:txBody>
     </cdr:sp>
@@ -1818,18 +1916,17 @@
         <a:p xmlns:a="http://schemas.openxmlformats.org/drawingml/2006/main">
           <a:pPr algn="r"/>
           <a:r>
-            <a:rPr lang="en-US" sz="1800" dirty="0" smtClean="0"/>
+            <a:rPr lang="en-US" sz="1800" dirty="0"/>
             <a:t>O(log </a:t>
           </a:r>
           <a:r>
-            <a:rPr lang="en-US" sz="1800" i="1" dirty="0" smtClean="0"/>
+            <a:rPr lang="en-US" sz="1800" i="1" dirty="0"/>
             <a:t>n</a:t>
           </a:r>
           <a:r>
-            <a:rPr lang="en-US" sz="1800" dirty="0" smtClean="0"/>
+            <a:rPr lang="en-US" sz="1800" dirty="0"/>
             <a:t>)</a:t>
           </a:r>
-          <a:endParaRPr lang="en-US" sz="1800" dirty="0"/>
         </a:p>
       </cdr:txBody>
     </cdr:sp>
@@ -1927,18 +2024,17 @@
         <a:p xmlns:a="http://schemas.openxmlformats.org/drawingml/2006/main">
           <a:pPr algn="r"/>
           <a:r>
-            <a:rPr lang="en-US" sz="1800" dirty="0" smtClean="0"/>
+            <a:rPr lang="en-US" sz="1800" dirty="0"/>
             <a:t>O(</a:t>
           </a:r>
           <a:r>
-            <a:rPr lang="en-US" sz="1800" i="1" dirty="0" smtClean="0"/>
+            <a:rPr lang="en-US" sz="1800" i="1" dirty="0"/>
             <a:t>n</a:t>
           </a:r>
           <a:r>
-            <a:rPr lang="en-US" sz="1800" dirty="0" smtClean="0"/>
+            <a:rPr lang="en-US" sz="1800" dirty="0"/>
             <a:t>)</a:t>
           </a:r>
-          <a:endParaRPr lang="en-US" sz="1800" dirty="0"/>
         </a:p>
       </cdr:txBody>
     </cdr:sp>
@@ -2036,18 +2132,17 @@
         <a:p xmlns:a="http://schemas.openxmlformats.org/drawingml/2006/main">
           <a:pPr algn="r"/>
           <a:r>
-            <a:rPr lang="en-US" sz="1800" dirty="0" smtClean="0"/>
+            <a:rPr lang="en-US" sz="1800" dirty="0"/>
             <a:t>O(</a:t>
           </a:r>
           <a:r>
-            <a:rPr lang="en-US" sz="1800" i="1" dirty="0" smtClean="0"/>
+            <a:rPr lang="en-US" sz="1800" i="1" dirty="0"/>
             <a:t>n</a:t>
           </a:r>
           <a:r>
-            <a:rPr lang="en-US" sz="1800" dirty="0" smtClean="0"/>
+            <a:rPr lang="en-US" sz="1800" dirty="0"/>
             <a:t>!)</a:t>
           </a:r>
-          <a:endParaRPr lang="en-US" sz="1800" dirty="0"/>
         </a:p>
       </cdr:txBody>
     </cdr:sp>
@@ -2097,10 +2192,9 @@
           </a:lstStyle>
           <a:p>
             <a:r>
-              <a:rPr lang="en-US" smtClean="0"/>
+              <a:rPr lang="en-US"/>
               <a:t>Click to edit Master title style</a:t>
             </a:r>
-            <a:endParaRPr lang="en-US"/>
           </a:p>
         </p:txBody>
       </p:sp>
@@ -2162,10 +2256,9 @@
           </a:lstStyle>
           <a:p>
             <a:r>
-              <a:rPr lang="en-US" smtClean="0"/>
+              <a:rPr lang="en-US"/>
               <a:t>Click to edit Master subtitle style</a:t>
             </a:r>
-            <a:endParaRPr lang="en-US"/>
           </a:p>
         </p:txBody>
       </p:sp>
@@ -2186,7 +2279,7 @@
           <a:p>
             <a:fld id="{9F0FB9F7-8CD6-4881-B2E0-E9C08D1223A7}" type="datetimeFigureOut">
               <a:rPr lang="en-US" smtClean="0"/>
-              <a:t>8/17/16</a:t>
+              <a:t>5/8/18</a:t>
             </a:fld>
             <a:endParaRPr lang="en-US"/>
           </a:p>
@@ -2280,10 +2373,9 @@
           <a:lstStyle/>
           <a:p>
             <a:r>
-              <a:rPr lang="en-US" smtClean="0"/>
+              <a:rPr lang="en-US"/>
               <a:t>Click to edit Master title style</a:t>
             </a:r>
-            <a:endParaRPr lang="en-US"/>
           </a:p>
         </p:txBody>
       </p:sp>
@@ -2304,38 +2396,37 @@
           <a:p>
             <a:pPr lvl="0"/>
             <a:r>
-              <a:rPr lang="en-US" smtClean="0"/>
+              <a:rPr lang="en-US"/>
               <a:t>Click to edit Master text styles</a:t>
             </a:r>
           </a:p>
           <a:p>
             <a:pPr lvl="1"/>
             <a:r>
-              <a:rPr lang="en-US" smtClean="0"/>
+              <a:rPr lang="en-US"/>
               <a:t>Second level</a:t>
             </a:r>
           </a:p>
           <a:p>
             <a:pPr lvl="2"/>
             <a:r>
-              <a:rPr lang="en-US" smtClean="0"/>
+              <a:rPr lang="en-US"/>
               <a:t>Third level</a:t>
             </a:r>
           </a:p>
           <a:p>
             <a:pPr lvl="3"/>
             <a:r>
-              <a:rPr lang="en-US" smtClean="0"/>
+              <a:rPr lang="en-US"/>
               <a:t>Fourth level</a:t>
             </a:r>
           </a:p>
           <a:p>
             <a:pPr lvl="4"/>
             <a:r>
-              <a:rPr lang="en-US" smtClean="0"/>
+              <a:rPr lang="en-US"/>
               <a:t>Fifth level</a:t>
             </a:r>
-            <a:endParaRPr lang="en-US"/>
           </a:p>
         </p:txBody>
       </p:sp>
@@ -2356,7 +2447,7 @@
           <a:p>
             <a:fld id="{9F0FB9F7-8CD6-4881-B2E0-E9C08D1223A7}" type="datetimeFigureOut">
               <a:rPr lang="en-US" smtClean="0"/>
-              <a:t>8/17/16</a:t>
+              <a:t>5/8/18</a:t>
             </a:fld>
             <a:endParaRPr lang="en-US"/>
           </a:p>
@@ -2455,10 +2546,9 @@
           <a:lstStyle/>
           <a:p>
             <a:r>
-              <a:rPr lang="en-US" smtClean="0"/>
+              <a:rPr lang="en-US"/>
               <a:t>Click to edit Master title style</a:t>
             </a:r>
-            <a:endParaRPr lang="en-US"/>
           </a:p>
         </p:txBody>
       </p:sp>
@@ -2484,38 +2574,37 @@
           <a:p>
             <a:pPr lvl="0"/>
             <a:r>
-              <a:rPr lang="en-US" smtClean="0"/>
+              <a:rPr lang="en-US"/>
               <a:t>Click to edit Master text styles</a:t>
             </a:r>
           </a:p>
           <a:p>
             <a:pPr lvl="1"/>
             <a:r>
-              <a:rPr lang="en-US" smtClean="0"/>
+              <a:rPr lang="en-US"/>
               <a:t>Second level</a:t>
             </a:r>
           </a:p>
           <a:p>
             <a:pPr lvl="2"/>
             <a:r>
-              <a:rPr lang="en-US" smtClean="0"/>
+              <a:rPr lang="en-US"/>
               <a:t>Third level</a:t>
             </a:r>
           </a:p>
           <a:p>
             <a:pPr lvl="3"/>
             <a:r>
-              <a:rPr lang="en-US" smtClean="0"/>
+              <a:rPr lang="en-US"/>
               <a:t>Fourth level</a:t>
             </a:r>
           </a:p>
           <a:p>
             <a:pPr lvl="4"/>
             <a:r>
-              <a:rPr lang="en-US" smtClean="0"/>
+              <a:rPr lang="en-US"/>
               <a:t>Fifth level</a:t>
             </a:r>
-            <a:endParaRPr lang="en-US"/>
           </a:p>
         </p:txBody>
       </p:sp>
@@ -2536,7 +2625,7 @@
           <a:p>
             <a:fld id="{9F0FB9F7-8CD6-4881-B2E0-E9C08D1223A7}" type="datetimeFigureOut">
               <a:rPr lang="en-US" smtClean="0"/>
-              <a:t>8/17/16</a:t>
+              <a:t>5/8/18</a:t>
             </a:fld>
             <a:endParaRPr lang="en-US"/>
           </a:p>
@@ -2630,10 +2719,9 @@
           <a:lstStyle/>
           <a:p>
             <a:r>
-              <a:rPr lang="en-US" smtClean="0"/>
+              <a:rPr lang="en-US"/>
               <a:t>Click to edit Master title style</a:t>
             </a:r>
-            <a:endParaRPr lang="en-US"/>
           </a:p>
         </p:txBody>
       </p:sp>
@@ -2654,38 +2742,37 @@
           <a:p>
             <a:pPr lvl="0"/>
             <a:r>
-              <a:rPr lang="en-US" smtClean="0"/>
+              <a:rPr lang="en-US"/>
               <a:t>Click to edit Master text styles</a:t>
             </a:r>
           </a:p>
           <a:p>
             <a:pPr lvl="1"/>
             <a:r>
-              <a:rPr lang="en-US" smtClean="0"/>
+              <a:rPr lang="en-US"/>
               <a:t>Second level</a:t>
             </a:r>
           </a:p>
           <a:p>
             <a:pPr lvl="2"/>
             <a:r>
-              <a:rPr lang="en-US" smtClean="0"/>
+              <a:rPr lang="en-US"/>
               <a:t>Third level</a:t>
             </a:r>
           </a:p>
           <a:p>
             <a:pPr lvl="3"/>
             <a:r>
-              <a:rPr lang="en-US" smtClean="0"/>
+              <a:rPr lang="en-US"/>
               <a:t>Fourth level</a:t>
             </a:r>
           </a:p>
           <a:p>
             <a:pPr lvl="4"/>
             <a:r>
-              <a:rPr lang="en-US" smtClean="0"/>
+              <a:rPr lang="en-US"/>
               <a:t>Fifth level</a:t>
             </a:r>
-            <a:endParaRPr lang="en-US"/>
           </a:p>
         </p:txBody>
       </p:sp>
@@ -2706,7 +2793,7 @@
           <a:p>
             <a:fld id="{9F0FB9F7-8CD6-4881-B2E0-E9C08D1223A7}" type="datetimeFigureOut">
               <a:rPr lang="en-US" smtClean="0"/>
-              <a:t>8/17/16</a:t>
+              <a:t>5/8/18</a:t>
             </a:fld>
             <a:endParaRPr lang="en-US"/>
           </a:p>
@@ -2809,10 +2896,9 @@
           </a:lstStyle>
           <a:p>
             <a:r>
-              <a:rPr lang="en-US" smtClean="0"/>
+              <a:rPr lang="en-US"/>
               <a:t>Click to edit Master title style</a:t>
             </a:r>
-            <a:endParaRPr lang="en-US"/>
           </a:p>
         </p:txBody>
       </p:sp>
@@ -2929,7 +3015,7 @@
           <a:p>
             <a:pPr lvl="0"/>
             <a:r>
-              <a:rPr lang="en-US" smtClean="0"/>
+              <a:rPr lang="en-US"/>
               <a:t>Click to edit Master text styles</a:t>
             </a:r>
           </a:p>
@@ -2952,7 +3038,7 @@
           <a:p>
             <a:fld id="{9F0FB9F7-8CD6-4881-B2E0-E9C08D1223A7}" type="datetimeFigureOut">
               <a:rPr lang="en-US" smtClean="0"/>
-              <a:t>8/17/16</a:t>
+              <a:t>5/8/18</a:t>
             </a:fld>
             <a:endParaRPr lang="en-US"/>
           </a:p>
@@ -3046,10 +3132,9 @@
           <a:lstStyle/>
           <a:p>
             <a:r>
-              <a:rPr lang="en-US" smtClean="0"/>
+              <a:rPr lang="en-US"/>
               <a:t>Click to edit Master title style</a:t>
             </a:r>
-            <a:endParaRPr lang="en-US"/>
           </a:p>
         </p:txBody>
       </p:sp>
@@ -3075,38 +3160,37 @@
           <a:p>
             <a:pPr lvl="0"/>
             <a:r>
-              <a:rPr lang="en-US" smtClean="0"/>
+              <a:rPr lang="en-US"/>
               <a:t>Click to edit Master text styles</a:t>
             </a:r>
           </a:p>
           <a:p>
             <a:pPr lvl="1"/>
             <a:r>
-              <a:rPr lang="en-US" smtClean="0"/>
+              <a:rPr lang="en-US"/>
               <a:t>Second level</a:t>
             </a:r>
           </a:p>
           <a:p>
             <a:pPr lvl="2"/>
             <a:r>
-              <a:rPr lang="en-US" smtClean="0"/>
+              <a:rPr lang="en-US"/>
               <a:t>Third level</a:t>
             </a:r>
           </a:p>
           <a:p>
             <a:pPr lvl="3"/>
             <a:r>
-              <a:rPr lang="en-US" smtClean="0"/>
+              <a:rPr lang="en-US"/>
               <a:t>Fourth level</a:t>
             </a:r>
           </a:p>
           <a:p>
             <a:pPr lvl="4"/>
             <a:r>
-              <a:rPr lang="en-US" smtClean="0"/>
+              <a:rPr lang="en-US"/>
               <a:t>Fifth level</a:t>
             </a:r>
-            <a:endParaRPr lang="en-US"/>
           </a:p>
         </p:txBody>
       </p:sp>
@@ -3132,38 +3216,37 @@
           <a:p>
             <a:pPr lvl="0"/>
             <a:r>
-              <a:rPr lang="en-US" smtClean="0"/>
+              <a:rPr lang="en-US"/>
               <a:t>Click to edit Master text styles</a:t>
             </a:r>
           </a:p>
           <a:p>
             <a:pPr lvl="1"/>
             <a:r>
-              <a:rPr lang="en-US" smtClean="0"/>
+              <a:rPr lang="en-US"/>
               <a:t>Second level</a:t>
             </a:r>
           </a:p>
           <a:p>
             <a:pPr lvl="2"/>
             <a:r>
-              <a:rPr lang="en-US" smtClean="0"/>
+              <a:rPr lang="en-US"/>
               <a:t>Third level</a:t>
             </a:r>
           </a:p>
           <a:p>
             <a:pPr lvl="3"/>
             <a:r>
-              <a:rPr lang="en-US" smtClean="0"/>
+              <a:rPr lang="en-US"/>
               <a:t>Fourth level</a:t>
             </a:r>
           </a:p>
           <a:p>
             <a:pPr lvl="4"/>
             <a:r>
-              <a:rPr lang="en-US" smtClean="0"/>
+              <a:rPr lang="en-US"/>
               <a:t>Fifth level</a:t>
             </a:r>
-            <a:endParaRPr lang="en-US"/>
           </a:p>
         </p:txBody>
       </p:sp>
@@ -3184,7 +3267,7 @@
           <a:p>
             <a:fld id="{9F0FB9F7-8CD6-4881-B2E0-E9C08D1223A7}" type="datetimeFigureOut">
               <a:rPr lang="en-US" smtClean="0"/>
-              <a:t>8/17/16</a:t>
+              <a:t>5/8/18</a:t>
             </a:fld>
             <a:endParaRPr lang="en-US"/>
           </a:p>
@@ -3283,10 +3366,9 @@
           <a:lstStyle/>
           <a:p>
             <a:r>
-              <a:rPr lang="en-US" smtClean="0"/>
+              <a:rPr lang="en-US"/>
               <a:t>Click to edit Master title style</a:t>
             </a:r>
-            <a:endParaRPr lang="en-US"/>
           </a:p>
         </p:txBody>
       </p:sp>
@@ -3349,7 +3431,7 @@
           <a:p>
             <a:pPr lvl="0"/>
             <a:r>
-              <a:rPr lang="en-US" smtClean="0"/>
+              <a:rPr lang="en-US"/>
               <a:t>Click to edit Master text styles</a:t>
             </a:r>
           </a:p>
@@ -3377,38 +3459,37 @@
           <a:p>
             <a:pPr lvl="0"/>
             <a:r>
-              <a:rPr lang="en-US" smtClean="0"/>
+              <a:rPr lang="en-US"/>
               <a:t>Click to edit Master text styles</a:t>
             </a:r>
           </a:p>
           <a:p>
             <a:pPr lvl="1"/>
             <a:r>
-              <a:rPr lang="en-US" smtClean="0"/>
+              <a:rPr lang="en-US"/>
               <a:t>Second level</a:t>
             </a:r>
           </a:p>
           <a:p>
             <a:pPr lvl="2"/>
             <a:r>
-              <a:rPr lang="en-US" smtClean="0"/>
+              <a:rPr lang="en-US"/>
               <a:t>Third level</a:t>
             </a:r>
           </a:p>
           <a:p>
             <a:pPr lvl="3"/>
             <a:r>
-              <a:rPr lang="en-US" smtClean="0"/>
+              <a:rPr lang="en-US"/>
               <a:t>Fourth level</a:t>
             </a:r>
           </a:p>
           <a:p>
             <a:pPr lvl="4"/>
             <a:r>
-              <a:rPr lang="en-US" smtClean="0"/>
+              <a:rPr lang="en-US"/>
               <a:t>Fifth level</a:t>
             </a:r>
-            <a:endParaRPr lang="en-US"/>
           </a:p>
         </p:txBody>
       </p:sp>
@@ -3471,7 +3552,7 @@
           <a:p>
             <a:pPr lvl="0"/>
             <a:r>
-              <a:rPr lang="en-US" smtClean="0"/>
+              <a:rPr lang="en-US"/>
               <a:t>Click to edit Master text styles</a:t>
             </a:r>
           </a:p>
@@ -3499,38 +3580,37 @@
           <a:p>
             <a:pPr lvl="0"/>
             <a:r>
-              <a:rPr lang="en-US" smtClean="0"/>
+              <a:rPr lang="en-US"/>
               <a:t>Click to edit Master text styles</a:t>
             </a:r>
           </a:p>
           <a:p>
             <a:pPr lvl="1"/>
             <a:r>
-              <a:rPr lang="en-US" smtClean="0"/>
+              <a:rPr lang="en-US"/>
               <a:t>Second level</a:t>
             </a:r>
           </a:p>
           <a:p>
             <a:pPr lvl="2"/>
             <a:r>
-              <a:rPr lang="en-US" smtClean="0"/>
+              <a:rPr lang="en-US"/>
               <a:t>Third level</a:t>
             </a:r>
           </a:p>
           <a:p>
             <a:pPr lvl="3"/>
             <a:r>
-              <a:rPr lang="en-US" smtClean="0"/>
+              <a:rPr lang="en-US"/>
               <a:t>Fourth level</a:t>
             </a:r>
           </a:p>
           <a:p>
             <a:pPr lvl="4"/>
             <a:r>
-              <a:rPr lang="en-US" smtClean="0"/>
+              <a:rPr lang="en-US"/>
               <a:t>Fifth level</a:t>
             </a:r>
-            <a:endParaRPr lang="en-US"/>
           </a:p>
         </p:txBody>
       </p:sp>
@@ -3551,7 +3631,7 @@
           <a:p>
             <a:fld id="{9F0FB9F7-8CD6-4881-B2E0-E9C08D1223A7}" type="datetimeFigureOut">
               <a:rPr lang="en-US" smtClean="0"/>
-              <a:t>8/17/16</a:t>
+              <a:t>5/8/18</a:t>
             </a:fld>
             <a:endParaRPr lang="en-US"/>
           </a:p>
@@ -3645,10 +3725,9 @@
           <a:lstStyle/>
           <a:p>
             <a:r>
-              <a:rPr lang="en-US" smtClean="0"/>
+              <a:rPr lang="en-US"/>
               <a:t>Click to edit Master title style</a:t>
             </a:r>
-            <a:endParaRPr lang="en-US"/>
           </a:p>
         </p:txBody>
       </p:sp>
@@ -3669,7 +3748,7 @@
           <a:p>
             <a:fld id="{9F0FB9F7-8CD6-4881-B2E0-E9C08D1223A7}" type="datetimeFigureOut">
               <a:rPr lang="en-US" smtClean="0"/>
-              <a:t>8/17/16</a:t>
+              <a:t>5/8/18</a:t>
             </a:fld>
             <a:endParaRPr lang="en-US"/>
           </a:p>
@@ -3764,7 +3843,7 @@
           <a:p>
             <a:fld id="{9F0FB9F7-8CD6-4881-B2E0-E9C08D1223A7}" type="datetimeFigureOut">
               <a:rPr lang="en-US" smtClean="0"/>
-              <a:t>8/17/16</a:t>
+              <a:t>5/8/18</a:t>
             </a:fld>
             <a:endParaRPr lang="en-US"/>
           </a:p>
@@ -3867,10 +3946,9 @@
           </a:lstStyle>
           <a:p>
             <a:r>
-              <a:rPr lang="en-US" smtClean="0"/>
+              <a:rPr lang="en-US"/>
               <a:t>Click to edit Master title style</a:t>
             </a:r>
-            <a:endParaRPr lang="en-US"/>
           </a:p>
         </p:txBody>
       </p:sp>
@@ -3924,38 +4002,37 @@
           <a:p>
             <a:pPr lvl="0"/>
             <a:r>
-              <a:rPr lang="en-US" smtClean="0"/>
+              <a:rPr lang="en-US"/>
               <a:t>Click to edit Master text styles</a:t>
             </a:r>
           </a:p>
           <a:p>
             <a:pPr lvl="1"/>
             <a:r>
-              <a:rPr lang="en-US" smtClean="0"/>
+              <a:rPr lang="en-US"/>
               <a:t>Second level</a:t>
             </a:r>
           </a:p>
           <a:p>
             <a:pPr lvl="2"/>
             <a:r>
-              <a:rPr lang="en-US" smtClean="0"/>
+              <a:rPr lang="en-US"/>
               <a:t>Third level</a:t>
             </a:r>
           </a:p>
           <a:p>
             <a:pPr lvl="3"/>
             <a:r>
-              <a:rPr lang="en-US" smtClean="0"/>
+              <a:rPr lang="en-US"/>
               <a:t>Fourth level</a:t>
             </a:r>
           </a:p>
           <a:p>
             <a:pPr lvl="4"/>
             <a:r>
-              <a:rPr lang="en-US" smtClean="0"/>
+              <a:rPr lang="en-US"/>
               <a:t>Fifth level</a:t>
             </a:r>
-            <a:endParaRPr lang="en-US"/>
           </a:p>
         </p:txBody>
       </p:sp>
@@ -4018,7 +4095,7 @@
           <a:p>
             <a:pPr lvl="0"/>
             <a:r>
-              <a:rPr lang="en-US" smtClean="0"/>
+              <a:rPr lang="en-US"/>
               <a:t>Click to edit Master text styles</a:t>
             </a:r>
           </a:p>
@@ -4041,7 +4118,7 @@
           <a:p>
             <a:fld id="{9F0FB9F7-8CD6-4881-B2E0-E9C08D1223A7}" type="datetimeFigureOut">
               <a:rPr lang="en-US" smtClean="0"/>
-              <a:t>8/17/16</a:t>
+              <a:t>5/8/18</a:t>
             </a:fld>
             <a:endParaRPr lang="en-US"/>
           </a:p>
@@ -4144,10 +4221,9 @@
           </a:lstStyle>
           <a:p>
             <a:r>
-              <a:rPr lang="en-US" smtClean="0"/>
+              <a:rPr lang="en-US"/>
               <a:t>Click to edit Master title style</a:t>
             </a:r>
-            <a:endParaRPr lang="en-US"/>
           </a:p>
         </p:txBody>
       </p:sp>
@@ -4271,7 +4347,7 @@
           <a:p>
             <a:pPr lvl="0"/>
             <a:r>
-              <a:rPr lang="en-US" smtClean="0"/>
+              <a:rPr lang="en-US"/>
               <a:t>Click to edit Master text styles</a:t>
             </a:r>
           </a:p>
@@ -4294,7 +4370,7 @@
           <a:p>
             <a:fld id="{9F0FB9F7-8CD6-4881-B2E0-E9C08D1223A7}" type="datetimeFigureOut">
               <a:rPr lang="en-US" smtClean="0"/>
-              <a:t>8/17/16</a:t>
+              <a:t>5/8/18</a:t>
             </a:fld>
             <a:endParaRPr lang="en-US"/>
           </a:p>
@@ -4403,10 +4479,9 @@
           <a:lstStyle/>
           <a:p>
             <a:r>
-              <a:rPr lang="en-US" smtClean="0"/>
+              <a:rPr lang="en-US"/>
               <a:t>Click to edit Master title style</a:t>
             </a:r>
-            <a:endParaRPr lang="en-US"/>
           </a:p>
         </p:txBody>
       </p:sp>
@@ -4437,38 +4512,37 @@
           <a:p>
             <a:pPr lvl="0"/>
             <a:r>
-              <a:rPr lang="en-US" smtClean="0"/>
+              <a:rPr lang="en-US"/>
               <a:t>Click to edit Master text styles</a:t>
             </a:r>
           </a:p>
           <a:p>
             <a:pPr lvl="1"/>
             <a:r>
-              <a:rPr lang="en-US" smtClean="0"/>
+              <a:rPr lang="en-US"/>
               <a:t>Second level</a:t>
             </a:r>
           </a:p>
           <a:p>
             <a:pPr lvl="2"/>
             <a:r>
-              <a:rPr lang="en-US" smtClean="0"/>
+              <a:rPr lang="en-US"/>
               <a:t>Third level</a:t>
             </a:r>
           </a:p>
           <a:p>
             <a:pPr lvl="3"/>
             <a:r>
-              <a:rPr lang="en-US" smtClean="0"/>
+              <a:rPr lang="en-US"/>
               <a:t>Fourth level</a:t>
             </a:r>
           </a:p>
           <a:p>
             <a:pPr lvl="4"/>
             <a:r>
-              <a:rPr lang="en-US" smtClean="0"/>
+              <a:rPr lang="en-US"/>
               <a:t>Fifth level</a:t>
             </a:r>
-            <a:endParaRPr lang="en-US"/>
           </a:p>
         </p:txBody>
       </p:sp>
@@ -4507,7 +4581,7 @@
           <a:p>
             <a:fld id="{9F0FB9F7-8CD6-4881-B2E0-E9C08D1223A7}" type="datetimeFigureOut">
               <a:rPr lang="en-US" smtClean="0"/>
-              <a:t>8/17/16</a:t>
+              <a:t>5/8/18</a:t>
             </a:fld>
             <a:endParaRPr lang="en-US"/>
           </a:p>
@@ -5039,7 +5113,7 @@
           <p:nvPr>
             <p:extLst>
               <p:ext uri="{D42A27DB-BD31-4B8C-83A1-F6EECF244321}">
-                <p14:modId xmlns:p14="http://schemas.microsoft.com/office/powerpoint/2010/main" val="2659885453"/>
+                <p14:modId xmlns:p14="http://schemas.microsoft.com/office/powerpoint/2010/main" val="1444721145"/>
               </p:ext>
             </p:extLst>
           </p:nvPr>
@@ -5139,22 +5213,17 @@
           <a:p>
             <a:pPr algn="r"/>
             <a:r>
-              <a:rPr lang="en-US" sz="1800" dirty="0" smtClean="0"/>
-              <a:t>O(</a:t>
-            </a:r>
-            <a:r>
               <a:rPr lang="en-US" sz="1800" dirty="0"/>
-              <a:t>√</a:t>
-            </a:r>
-            <a:r>
-              <a:rPr lang="en-US" sz="1800" i="1" dirty="0" smtClean="0"/>
+              <a:t>O(√</a:t>
+            </a:r>
+            <a:r>
+              <a:rPr lang="en-US" sz="1800" i="1" dirty="0"/>
               <a:t>n</a:t>
             </a:r>
             <a:r>
-              <a:rPr lang="en-US" sz="1800" dirty="0" smtClean="0"/>
+              <a:rPr lang="en-US" sz="1800" dirty="0"/>
               <a:t>)</a:t>
             </a:r>
-            <a:endParaRPr lang="en-US" sz="1800" dirty="0"/>
           </a:p>
         </p:txBody>
       </p:sp>
@@ -5180,18 +5249,17 @@
           <a:lstStyle/>
           <a:p>
             <a:r>
-              <a:rPr lang="en-US" dirty="0" smtClean="0"/>
+              <a:rPr lang="en-US" dirty="0"/>
               <a:t>O(</a:t>
             </a:r>
             <a:r>
-              <a:rPr lang="en-US" i="1" dirty="0" smtClean="0"/>
+              <a:rPr lang="en-US" i="1" dirty="0"/>
               <a:t>n</a:t>
             </a:r>
             <a:r>
-              <a:rPr lang="en-US" dirty="0" smtClean="0"/>
+              <a:rPr lang="en-US" dirty="0"/>
               <a:t>²)</a:t>
             </a:r>
-            <a:endParaRPr lang="en-US" dirty="0"/>
           </a:p>
         </p:txBody>
       </p:sp>
@@ -5217,18 +5285,17 @@
           <a:lstStyle/>
           <a:p>
             <a:r>
-              <a:rPr lang="en-US" dirty="0" smtClean="0"/>
+              <a:rPr lang="en-US" dirty="0"/>
               <a:t>O(</a:t>
             </a:r>
             <a:r>
-              <a:rPr lang="en-US" i="1" dirty="0" smtClean="0"/>
+              <a:rPr lang="en-US" i="1" dirty="0"/>
               <a:t>n</a:t>
             </a:r>
             <a:r>
-              <a:rPr lang="en-US" dirty="0" smtClean="0"/>
+              <a:rPr lang="en-US" dirty="0"/>
               <a:t>³)</a:t>
             </a:r>
-            <a:endParaRPr lang="en-US" dirty="0"/>
           </a:p>
         </p:txBody>
       </p:sp>
@@ -5254,18 +5321,17 @@
           <a:lstStyle/>
           <a:p>
             <a:r>
-              <a:rPr lang="en-US" dirty="0" smtClean="0"/>
+              <a:rPr lang="en-US" dirty="0"/>
               <a:t>O(2</a:t>
             </a:r>
             <a:r>
-              <a:rPr lang="en-US" i="1" dirty="0" smtClean="0"/>
+              <a:rPr lang="en-US" i="1" dirty="0"/>
               <a:t>ⁿ</a:t>
             </a:r>
             <a:r>
-              <a:rPr lang="en-US" dirty="0" smtClean="0"/>
+              <a:rPr lang="en-US" dirty="0"/>
               <a:t>)</a:t>
             </a:r>
-            <a:endParaRPr lang="en-US" dirty="0"/>
           </a:p>
         </p:txBody>
       </p:sp>
